--- a/2nd Book.pptx
+++ b/2nd Book.pptx
@@ -11,6 +11,11 @@
     <p:sldId id="259" r:id="rId5"/>
     <p:sldId id="260" r:id="rId6"/>
     <p:sldId id="261" r:id="rId7"/>
+    <p:sldId id="262" r:id="rId8"/>
+    <p:sldId id="263" r:id="rId9"/>
+    <p:sldId id="264" r:id="rId10"/>
+    <p:sldId id="265" r:id="rId11"/>
+    <p:sldId id="266" r:id="rId12"/>
   </p:sldIdLst>
   <p:sldSz cx="12192000" cy="6858000"/>
   <p:notesSz cx="6858000" cy="9144000"/>
@@ -109,6 +114,11 @@
       </a:defRPr>
     </a:lvl9pPr>
   </p:defaultTextStyle>
+  <p:extLst>
+    <p:ext uri="{EFAFB233-063F-42B5-8137-9DF3F51BA10A}">
+      <p15:sldGuideLst xmlns:p15="http://schemas.microsoft.com/office/powerpoint/2012/main"/>
+    </p:ext>
+  </p:extLst>
 </p:presentation>
 </file>
 
@@ -259,7 +269,7 @@
           <a:p>
             <a:fld id="{B3D12404-27B0-4F9A-A996-76853A3A1373}" type="datetimeFigureOut">
               <a:rPr lang="de-DE" smtClean="0"/>
-              <a:t>20.10.2021</a:t>
+              <a:t>21.10.2021</a:t>
             </a:fld>
             <a:endParaRPr lang="de-DE"/>
           </a:p>
@@ -457,7 +467,7 @@
           <a:p>
             <a:fld id="{B3D12404-27B0-4F9A-A996-76853A3A1373}" type="datetimeFigureOut">
               <a:rPr lang="de-DE" smtClean="0"/>
-              <a:t>20.10.2021</a:t>
+              <a:t>21.10.2021</a:t>
             </a:fld>
             <a:endParaRPr lang="de-DE"/>
           </a:p>
@@ -665,7 +675,7 @@
           <a:p>
             <a:fld id="{B3D12404-27B0-4F9A-A996-76853A3A1373}" type="datetimeFigureOut">
               <a:rPr lang="de-DE" smtClean="0"/>
-              <a:t>20.10.2021</a:t>
+              <a:t>21.10.2021</a:t>
             </a:fld>
             <a:endParaRPr lang="de-DE"/>
           </a:p>
@@ -863,7 +873,7 @@
           <a:p>
             <a:fld id="{B3D12404-27B0-4F9A-A996-76853A3A1373}" type="datetimeFigureOut">
               <a:rPr lang="de-DE" smtClean="0"/>
-              <a:t>20.10.2021</a:t>
+              <a:t>21.10.2021</a:t>
             </a:fld>
             <a:endParaRPr lang="de-DE"/>
           </a:p>
@@ -1138,7 +1148,7 @@
           <a:p>
             <a:fld id="{B3D12404-27B0-4F9A-A996-76853A3A1373}" type="datetimeFigureOut">
               <a:rPr lang="de-DE" smtClean="0"/>
-              <a:t>20.10.2021</a:t>
+              <a:t>21.10.2021</a:t>
             </a:fld>
             <a:endParaRPr lang="de-DE"/>
           </a:p>
@@ -1403,7 +1413,7 @@
           <a:p>
             <a:fld id="{B3D12404-27B0-4F9A-A996-76853A3A1373}" type="datetimeFigureOut">
               <a:rPr lang="de-DE" smtClean="0"/>
-              <a:t>20.10.2021</a:t>
+              <a:t>21.10.2021</a:t>
             </a:fld>
             <a:endParaRPr lang="de-DE"/>
           </a:p>
@@ -1815,7 +1825,7 @@
           <a:p>
             <a:fld id="{B3D12404-27B0-4F9A-A996-76853A3A1373}" type="datetimeFigureOut">
               <a:rPr lang="de-DE" smtClean="0"/>
-              <a:t>20.10.2021</a:t>
+              <a:t>21.10.2021</a:t>
             </a:fld>
             <a:endParaRPr lang="de-DE"/>
           </a:p>
@@ -1956,7 +1966,7 @@
           <a:p>
             <a:fld id="{B3D12404-27B0-4F9A-A996-76853A3A1373}" type="datetimeFigureOut">
               <a:rPr lang="de-DE" smtClean="0"/>
-              <a:t>20.10.2021</a:t>
+              <a:t>21.10.2021</a:t>
             </a:fld>
             <a:endParaRPr lang="de-DE"/>
           </a:p>
@@ -2069,7 +2079,7 @@
           <a:p>
             <a:fld id="{B3D12404-27B0-4F9A-A996-76853A3A1373}" type="datetimeFigureOut">
               <a:rPr lang="de-DE" smtClean="0"/>
-              <a:t>20.10.2021</a:t>
+              <a:t>21.10.2021</a:t>
             </a:fld>
             <a:endParaRPr lang="de-DE"/>
           </a:p>
@@ -2380,7 +2390,7 @@
           <a:p>
             <a:fld id="{B3D12404-27B0-4F9A-A996-76853A3A1373}" type="datetimeFigureOut">
               <a:rPr lang="de-DE" smtClean="0"/>
-              <a:t>20.10.2021</a:t>
+              <a:t>21.10.2021</a:t>
             </a:fld>
             <a:endParaRPr lang="de-DE"/>
           </a:p>
@@ -2668,7 +2678,7 @@
           <a:p>
             <a:fld id="{B3D12404-27B0-4F9A-A996-76853A3A1373}" type="datetimeFigureOut">
               <a:rPr lang="de-DE" smtClean="0"/>
-              <a:t>20.10.2021</a:t>
+              <a:t>21.10.2021</a:t>
             </a:fld>
             <a:endParaRPr lang="de-DE"/>
           </a:p>
@@ -2909,7 +2919,7 @@
           <a:p>
             <a:fld id="{B3D12404-27B0-4F9A-A996-76853A3A1373}" type="datetimeFigureOut">
               <a:rPr lang="de-DE" smtClean="0"/>
-              <a:t>20.10.2021</a:t>
+              <a:t>21.10.2021</a:t>
             </a:fld>
             <a:endParaRPr lang="de-DE"/>
           </a:p>
@@ -3563,6 +3573,482 @@
 </p:sld>
 </file>
 
+<file path=ppt/slides/slide10.xml><?xml version="1.0" encoding="utf-8"?>
+<p:sld xmlns:a="http://schemas.openxmlformats.org/drawingml/2006/main" xmlns:r="http://schemas.openxmlformats.org/officeDocument/2006/relationships" xmlns:p="http://schemas.openxmlformats.org/presentationml/2006/main">
+  <p:cSld>
+    <p:spTree>
+      <p:nvGrpSpPr>
+        <p:cNvPr id="1" name=""/>
+        <p:cNvGrpSpPr/>
+        <p:nvPr/>
+      </p:nvGrpSpPr>
+      <p:grpSpPr>
+        <a:xfrm>
+          <a:off x="0" y="0"/>
+          <a:ext cx="0" cy="0"/>
+          <a:chOff x="0" y="0"/>
+          <a:chExt cx="0" cy="0"/>
+        </a:xfrm>
+      </p:grpSpPr>
+      <p:sp>
+        <p:nvSpPr>
+          <p:cNvPr id="2" name="Titel 1">
+            <a:extLst>
+              <a:ext uri="{FF2B5EF4-FFF2-40B4-BE49-F238E27FC236}">
+                <a16:creationId xmlns:a16="http://schemas.microsoft.com/office/drawing/2014/main" id="{E6A19D5D-7BEC-42CE-A3A2-E1D3066570EB}"/>
+              </a:ext>
+            </a:extLst>
+          </p:cNvPr>
+          <p:cNvSpPr>
+            <a:spLocks noGrp="1"/>
+          </p:cNvSpPr>
+          <p:nvPr>
+            <p:ph type="title"/>
+          </p:nvPr>
+        </p:nvSpPr>
+        <p:spPr>
+          <a:xfrm>
+            <a:off x="2320278" y="365125"/>
+            <a:ext cx="9033522" cy="1325563"/>
+          </a:xfrm>
+        </p:spPr>
+        <p:txBody>
+          <a:bodyPr/>
+          <a:lstStyle/>
+          <a:p>
+            <a:r>
+              <a:rPr lang="de-DE" dirty="0">
+                <a:latin typeface="Agency FB" panose="020B0503020202020204" pitchFamily="34" charset="0"/>
+              </a:rPr>
+              <a:t>GANTT-Diagramm</a:t>
+            </a:r>
+          </a:p>
+        </p:txBody>
+      </p:sp>
+      <p:grpSp>
+        <p:nvGrpSpPr>
+          <p:cNvPr id="4" name="Gruppieren 3">
+            <a:extLst>
+              <a:ext uri="{FF2B5EF4-FFF2-40B4-BE49-F238E27FC236}">
+                <a16:creationId xmlns:a16="http://schemas.microsoft.com/office/drawing/2014/main" id="{6D658008-9547-4D8E-82B5-A3E2A72C735C}"/>
+              </a:ext>
+            </a:extLst>
+          </p:cNvPr>
+          <p:cNvGrpSpPr/>
+          <p:nvPr/>
+        </p:nvGrpSpPr>
+        <p:grpSpPr>
+          <a:xfrm>
+            <a:off x="-196995" y="0"/>
+            <a:ext cx="2540839" cy="6858000"/>
+            <a:chOff x="-196994" y="0"/>
+            <a:chExt cx="2540839" cy="6858000"/>
+          </a:xfrm>
+        </p:grpSpPr>
+        <p:sp>
+          <p:nvSpPr>
+            <p:cNvPr id="5" name="Rechteck 4">
+              <a:extLst>
+                <a:ext uri="{FF2B5EF4-FFF2-40B4-BE49-F238E27FC236}">
+                  <a16:creationId xmlns:a16="http://schemas.microsoft.com/office/drawing/2014/main" id="{05C2F606-8E06-408C-88C1-6E1369FB0492}"/>
+                </a:ext>
+              </a:extLst>
+            </p:cNvPr>
+            <p:cNvSpPr/>
+            <p:nvPr/>
+          </p:nvSpPr>
+          <p:spPr>
+            <a:xfrm>
+              <a:off x="0" y="0"/>
+              <a:ext cx="2146852" cy="6858000"/>
+            </a:xfrm>
+            <a:prstGeom prst="rect">
+              <a:avLst/>
+            </a:prstGeom>
+            <a:solidFill>
+              <a:srgbClr val="812824"/>
+            </a:solidFill>
+          </p:spPr>
+          <p:style>
+            <a:lnRef idx="2">
+              <a:schemeClr val="accent1">
+                <a:shade val="50000"/>
+              </a:schemeClr>
+            </a:lnRef>
+            <a:fillRef idx="1">
+              <a:schemeClr val="accent1"/>
+            </a:fillRef>
+            <a:effectRef idx="0">
+              <a:schemeClr val="accent1"/>
+            </a:effectRef>
+            <a:fontRef idx="minor">
+              <a:schemeClr val="lt1"/>
+            </a:fontRef>
+          </p:style>
+          <p:txBody>
+            <a:bodyPr rtlCol="0" anchor="ctr"/>
+            <a:lstStyle/>
+            <a:p>
+              <a:pPr algn="ctr"/>
+              <a:endParaRPr lang="de-DE"/>
+            </a:p>
+          </p:txBody>
+        </p:sp>
+        <p:sp>
+          <p:nvSpPr>
+            <p:cNvPr id="6" name="Ellipse 5">
+              <a:extLst>
+                <a:ext uri="{FF2B5EF4-FFF2-40B4-BE49-F238E27FC236}">
+                  <a16:creationId xmlns:a16="http://schemas.microsoft.com/office/drawing/2014/main" id="{D3E0D105-D9FC-4890-A723-0A96B21B2861}"/>
+                </a:ext>
+              </a:extLst>
+            </p:cNvPr>
+            <p:cNvSpPr/>
+            <p:nvPr/>
+          </p:nvSpPr>
+          <p:spPr>
+            <a:xfrm>
+              <a:off x="173426" y="130288"/>
+              <a:ext cx="1800000" cy="1800000"/>
+            </a:xfrm>
+            <a:prstGeom prst="ellipse">
+              <a:avLst/>
+            </a:prstGeom>
+            <a:solidFill>
+              <a:schemeClr val="bg1"/>
+            </a:solidFill>
+            <a:ln>
+              <a:noFill/>
+            </a:ln>
+          </p:spPr>
+          <p:style>
+            <a:lnRef idx="2">
+              <a:schemeClr val="accent1">
+                <a:shade val="50000"/>
+              </a:schemeClr>
+            </a:lnRef>
+            <a:fillRef idx="1">
+              <a:schemeClr val="accent1"/>
+            </a:fillRef>
+            <a:effectRef idx="0">
+              <a:schemeClr val="accent1"/>
+            </a:effectRef>
+            <a:fontRef idx="minor">
+              <a:schemeClr val="lt1"/>
+            </a:fontRef>
+          </p:style>
+          <p:txBody>
+            <a:bodyPr rtlCol="0" anchor="ctr"/>
+            <a:lstStyle/>
+            <a:p>
+              <a:pPr algn="ctr"/>
+              <a:endParaRPr lang="de-DE"/>
+            </a:p>
+          </p:txBody>
+        </p:sp>
+        <p:pic>
+          <p:nvPicPr>
+            <p:cNvPr id="7" name="Grafik 6" descr="Ein Bild, das Text enthält.&#10;&#10;Automatisch generierte Beschreibung">
+              <a:extLst>
+                <a:ext uri="{FF2B5EF4-FFF2-40B4-BE49-F238E27FC236}">
+                  <a16:creationId xmlns:a16="http://schemas.microsoft.com/office/drawing/2014/main" id="{80D93760-6FC9-4033-A513-B987E73422AD}"/>
+                </a:ext>
+              </a:extLst>
+            </p:cNvPr>
+            <p:cNvPicPr>
+              <a:picLocks noChangeAspect="1"/>
+            </p:cNvPicPr>
+            <p:nvPr/>
+          </p:nvPicPr>
+          <p:blipFill>
+            <a:blip r:embed="rId2">
+              <a:extLst>
+                <a:ext uri="{28A0092B-C50C-407E-A947-70E740481C1C}">
+                  <a14:useLocalDpi xmlns:a14="http://schemas.microsoft.com/office/drawing/2010/main" val="0"/>
+                </a:ext>
+              </a:extLst>
+            </a:blip>
+            <a:stretch>
+              <a:fillRect/>
+            </a:stretch>
+          </p:blipFill>
+          <p:spPr>
+            <a:xfrm>
+              <a:off x="-196994" y="130288"/>
+              <a:ext cx="2540839" cy="1677987"/>
+            </a:xfrm>
+            <a:prstGeom prst="rect">
+              <a:avLst/>
+            </a:prstGeom>
+          </p:spPr>
+        </p:pic>
+      </p:grpSp>
+      <p:pic>
+        <p:nvPicPr>
+          <p:cNvPr id="8" name="Grafik 7">
+            <a:extLst>
+              <a:ext uri="{FF2B5EF4-FFF2-40B4-BE49-F238E27FC236}">
+                <a16:creationId xmlns:a16="http://schemas.microsoft.com/office/drawing/2014/main" id="{861F3584-3E0A-43D3-8C9D-6F3DB0EB3BCF}"/>
+              </a:ext>
+            </a:extLst>
+          </p:cNvPr>
+          <p:cNvPicPr>
+            <a:picLocks noChangeAspect="1"/>
+          </p:cNvPicPr>
+          <p:nvPr/>
+        </p:nvPicPr>
+        <p:blipFill>
+          <a:blip r:embed="rId3"/>
+          <a:stretch>
+            <a:fillRect/>
+          </a:stretch>
+        </p:blipFill>
+        <p:spPr>
+          <a:xfrm>
+            <a:off x="3323530" y="1408906"/>
+            <a:ext cx="7027017" cy="5032925"/>
+          </a:xfrm>
+          <a:prstGeom prst="rect">
+            <a:avLst/>
+          </a:prstGeom>
+        </p:spPr>
+      </p:pic>
+    </p:spTree>
+    <p:extLst>
+      <p:ext uri="{BB962C8B-B14F-4D97-AF65-F5344CB8AC3E}">
+        <p14:creationId xmlns:p14="http://schemas.microsoft.com/office/powerpoint/2010/main" val="4201739765"/>
+      </p:ext>
+    </p:extLst>
+  </p:cSld>
+  <p:clrMapOvr>
+    <a:masterClrMapping/>
+  </p:clrMapOvr>
+</p:sld>
+</file>
+
+<file path=ppt/slides/slide11.xml><?xml version="1.0" encoding="utf-8"?>
+<p:sld xmlns:a="http://schemas.openxmlformats.org/drawingml/2006/main" xmlns:r="http://schemas.openxmlformats.org/officeDocument/2006/relationships" xmlns:p="http://schemas.openxmlformats.org/presentationml/2006/main">
+  <p:cSld>
+    <p:spTree>
+      <p:nvGrpSpPr>
+        <p:cNvPr id="1" name=""/>
+        <p:cNvGrpSpPr/>
+        <p:nvPr/>
+      </p:nvGrpSpPr>
+      <p:grpSpPr>
+        <a:xfrm>
+          <a:off x="0" y="0"/>
+          <a:ext cx="0" cy="0"/>
+          <a:chOff x="0" y="0"/>
+          <a:chExt cx="0" cy="0"/>
+        </a:xfrm>
+      </p:grpSpPr>
+      <p:sp>
+        <p:nvSpPr>
+          <p:cNvPr id="2" name="Titel 1">
+            <a:extLst>
+              <a:ext uri="{FF2B5EF4-FFF2-40B4-BE49-F238E27FC236}">
+                <a16:creationId xmlns:a16="http://schemas.microsoft.com/office/drawing/2014/main" id="{E6A19D5D-7BEC-42CE-A3A2-E1D3066570EB}"/>
+              </a:ext>
+            </a:extLst>
+          </p:cNvPr>
+          <p:cNvSpPr>
+            <a:spLocks noGrp="1"/>
+          </p:cNvSpPr>
+          <p:nvPr>
+            <p:ph type="title"/>
+          </p:nvPr>
+        </p:nvSpPr>
+        <p:spPr>
+          <a:xfrm>
+            <a:off x="4213556" y="2766218"/>
+            <a:ext cx="5975702" cy="1325563"/>
+          </a:xfrm>
+        </p:spPr>
+        <p:txBody>
+          <a:bodyPr/>
+          <a:lstStyle/>
+          <a:p>
+            <a:r>
+              <a:rPr lang="de-DE" dirty="0">
+                <a:latin typeface="Agency FB" panose="020B0503020202020204" pitchFamily="34" charset="0"/>
+              </a:rPr>
+              <a:t>Danke für Ihre Aufmerksamkeit!</a:t>
+            </a:r>
+          </a:p>
+        </p:txBody>
+      </p:sp>
+      <p:grpSp>
+        <p:nvGrpSpPr>
+          <p:cNvPr id="4" name="Gruppieren 3">
+            <a:extLst>
+              <a:ext uri="{FF2B5EF4-FFF2-40B4-BE49-F238E27FC236}">
+                <a16:creationId xmlns:a16="http://schemas.microsoft.com/office/drawing/2014/main" id="{6D658008-9547-4D8E-82B5-A3E2A72C735C}"/>
+              </a:ext>
+            </a:extLst>
+          </p:cNvPr>
+          <p:cNvGrpSpPr/>
+          <p:nvPr/>
+        </p:nvGrpSpPr>
+        <p:grpSpPr>
+          <a:xfrm>
+            <a:off x="-196995" y="0"/>
+            <a:ext cx="2540839" cy="6858000"/>
+            <a:chOff x="-196994" y="0"/>
+            <a:chExt cx="2540839" cy="6858000"/>
+          </a:xfrm>
+        </p:grpSpPr>
+        <p:sp>
+          <p:nvSpPr>
+            <p:cNvPr id="5" name="Rechteck 4">
+              <a:extLst>
+                <a:ext uri="{FF2B5EF4-FFF2-40B4-BE49-F238E27FC236}">
+                  <a16:creationId xmlns:a16="http://schemas.microsoft.com/office/drawing/2014/main" id="{05C2F606-8E06-408C-88C1-6E1369FB0492}"/>
+                </a:ext>
+              </a:extLst>
+            </p:cNvPr>
+            <p:cNvSpPr/>
+            <p:nvPr/>
+          </p:nvSpPr>
+          <p:spPr>
+            <a:xfrm>
+              <a:off x="0" y="0"/>
+              <a:ext cx="2146852" cy="6858000"/>
+            </a:xfrm>
+            <a:prstGeom prst="rect">
+              <a:avLst/>
+            </a:prstGeom>
+            <a:solidFill>
+              <a:srgbClr val="812824"/>
+            </a:solidFill>
+          </p:spPr>
+          <p:style>
+            <a:lnRef idx="2">
+              <a:schemeClr val="accent1">
+                <a:shade val="50000"/>
+              </a:schemeClr>
+            </a:lnRef>
+            <a:fillRef idx="1">
+              <a:schemeClr val="accent1"/>
+            </a:fillRef>
+            <a:effectRef idx="0">
+              <a:schemeClr val="accent1"/>
+            </a:effectRef>
+            <a:fontRef idx="minor">
+              <a:schemeClr val="lt1"/>
+            </a:fontRef>
+          </p:style>
+          <p:txBody>
+            <a:bodyPr rtlCol="0" anchor="ctr"/>
+            <a:lstStyle/>
+            <a:p>
+              <a:pPr algn="ctr"/>
+              <a:endParaRPr lang="de-DE"/>
+            </a:p>
+          </p:txBody>
+        </p:sp>
+        <p:sp>
+          <p:nvSpPr>
+            <p:cNvPr id="6" name="Ellipse 5">
+              <a:extLst>
+                <a:ext uri="{FF2B5EF4-FFF2-40B4-BE49-F238E27FC236}">
+                  <a16:creationId xmlns:a16="http://schemas.microsoft.com/office/drawing/2014/main" id="{D3E0D105-D9FC-4890-A723-0A96B21B2861}"/>
+                </a:ext>
+              </a:extLst>
+            </p:cNvPr>
+            <p:cNvSpPr/>
+            <p:nvPr/>
+          </p:nvSpPr>
+          <p:spPr>
+            <a:xfrm>
+              <a:off x="173426" y="130288"/>
+              <a:ext cx="1800000" cy="1800000"/>
+            </a:xfrm>
+            <a:prstGeom prst="ellipse">
+              <a:avLst/>
+            </a:prstGeom>
+            <a:solidFill>
+              <a:schemeClr val="bg1"/>
+            </a:solidFill>
+            <a:ln>
+              <a:noFill/>
+            </a:ln>
+          </p:spPr>
+          <p:style>
+            <a:lnRef idx="2">
+              <a:schemeClr val="accent1">
+                <a:shade val="50000"/>
+              </a:schemeClr>
+            </a:lnRef>
+            <a:fillRef idx="1">
+              <a:schemeClr val="accent1"/>
+            </a:fillRef>
+            <a:effectRef idx="0">
+              <a:schemeClr val="accent1"/>
+            </a:effectRef>
+            <a:fontRef idx="minor">
+              <a:schemeClr val="lt1"/>
+            </a:fontRef>
+          </p:style>
+          <p:txBody>
+            <a:bodyPr rtlCol="0" anchor="ctr"/>
+            <a:lstStyle/>
+            <a:p>
+              <a:pPr algn="ctr"/>
+              <a:endParaRPr lang="de-DE"/>
+            </a:p>
+          </p:txBody>
+        </p:sp>
+        <p:pic>
+          <p:nvPicPr>
+            <p:cNvPr id="7" name="Grafik 6" descr="Ein Bild, das Text enthält.&#10;&#10;Automatisch generierte Beschreibung">
+              <a:extLst>
+                <a:ext uri="{FF2B5EF4-FFF2-40B4-BE49-F238E27FC236}">
+                  <a16:creationId xmlns:a16="http://schemas.microsoft.com/office/drawing/2014/main" id="{80D93760-6FC9-4033-A513-B987E73422AD}"/>
+                </a:ext>
+              </a:extLst>
+            </p:cNvPr>
+            <p:cNvPicPr>
+              <a:picLocks noChangeAspect="1"/>
+            </p:cNvPicPr>
+            <p:nvPr/>
+          </p:nvPicPr>
+          <p:blipFill>
+            <a:blip r:embed="rId2">
+              <a:extLst>
+                <a:ext uri="{28A0092B-C50C-407E-A947-70E740481C1C}">
+                  <a14:useLocalDpi xmlns:a14="http://schemas.microsoft.com/office/drawing/2010/main" val="0"/>
+                </a:ext>
+              </a:extLst>
+            </a:blip>
+            <a:stretch>
+              <a:fillRect/>
+            </a:stretch>
+          </p:blipFill>
+          <p:spPr>
+            <a:xfrm>
+              <a:off x="-196994" y="130288"/>
+              <a:ext cx="2540839" cy="1677987"/>
+            </a:xfrm>
+            <a:prstGeom prst="rect">
+              <a:avLst/>
+            </a:prstGeom>
+          </p:spPr>
+        </p:pic>
+      </p:grpSp>
+    </p:spTree>
+    <p:extLst>
+      <p:ext uri="{BB962C8B-B14F-4D97-AF65-F5344CB8AC3E}">
+        <p14:creationId xmlns:p14="http://schemas.microsoft.com/office/powerpoint/2010/main" val="4114732171"/>
+      </p:ext>
+    </p:extLst>
+  </p:cSld>
+  <p:clrMapOvr>
+    <a:masterClrMapping/>
+  </p:clrMapOvr>
+</p:sld>
+</file>
+
 <file path=ppt/slides/slide2.xml><?xml version="1.0" encoding="utf-8"?>
 <p:sld xmlns:a="http://schemas.openxmlformats.org/drawingml/2006/main" xmlns:r="http://schemas.openxmlformats.org/officeDocument/2006/relationships" xmlns:p="http://schemas.openxmlformats.org/presentationml/2006/main">
   <p:cSld>
@@ -3943,7 +4429,27 @@
           <a:p>
             <a:r>
               <a:rPr lang="de-DE" dirty="0"/>
-              <a:t>Hintergrund: Studenten kaufen Fachbücher -&gt; Bücher werden nicht mehr genutzt -&gt; Bücher können über ein Onlineportal an die richtige Zielgruppe verkauft werden.</a:t>
+              <a:t>Hintergrund: Studenten kaufen Fachbücher </a:t>
+            </a:r>
+            <a:r>
+              <a:rPr lang="de-DE" dirty="0">
+                <a:sym typeface="Wingdings" panose="05000000000000000000" pitchFamily="2" charset="2"/>
+              </a:rPr>
+              <a:t></a:t>
+            </a:r>
+            <a:r>
+              <a:rPr lang="de-DE" dirty="0"/>
+              <a:t> Bücher werden nicht mehr genutzt </a:t>
+            </a:r>
+            <a:r>
+              <a:rPr lang="de-DE" dirty="0">
+                <a:sym typeface="Wingdings" panose="05000000000000000000" pitchFamily="2" charset="2"/>
+              </a:rPr>
+              <a:t></a:t>
+            </a:r>
+            <a:r>
+              <a:rPr lang="de-DE" dirty="0"/>
+              <a:t> Bücher können über ein Onlineportal an die richtige Zielgruppe verkauft werden.</a:t>
             </a:r>
           </a:p>
           <a:p>
@@ -4978,6 +5484,808 @@
     <p:extLst>
       <p:ext uri="{BB962C8B-B14F-4D97-AF65-F5344CB8AC3E}">
         <p14:creationId xmlns:p14="http://schemas.microsoft.com/office/powerpoint/2010/main" val="3710422532"/>
+      </p:ext>
+    </p:extLst>
+  </p:cSld>
+  <p:clrMapOvr>
+    <a:masterClrMapping/>
+  </p:clrMapOvr>
+</p:sld>
+</file>
+
+<file path=ppt/slides/slide7.xml><?xml version="1.0" encoding="utf-8"?>
+<p:sld xmlns:a="http://schemas.openxmlformats.org/drawingml/2006/main" xmlns:r="http://schemas.openxmlformats.org/officeDocument/2006/relationships" xmlns:p="http://schemas.openxmlformats.org/presentationml/2006/main">
+  <p:cSld>
+    <p:spTree>
+      <p:nvGrpSpPr>
+        <p:cNvPr id="1" name=""/>
+        <p:cNvGrpSpPr/>
+        <p:nvPr/>
+      </p:nvGrpSpPr>
+      <p:grpSpPr>
+        <a:xfrm>
+          <a:off x="0" y="0"/>
+          <a:ext cx="0" cy="0"/>
+          <a:chOff x="0" y="0"/>
+          <a:chExt cx="0" cy="0"/>
+        </a:xfrm>
+      </p:grpSpPr>
+      <p:sp>
+        <p:nvSpPr>
+          <p:cNvPr id="2" name="Titel 1">
+            <a:extLst>
+              <a:ext uri="{FF2B5EF4-FFF2-40B4-BE49-F238E27FC236}">
+                <a16:creationId xmlns:a16="http://schemas.microsoft.com/office/drawing/2014/main" id="{E6A19D5D-7BEC-42CE-A3A2-E1D3066570EB}"/>
+              </a:ext>
+            </a:extLst>
+          </p:cNvPr>
+          <p:cNvSpPr>
+            <a:spLocks noGrp="1"/>
+          </p:cNvSpPr>
+          <p:nvPr>
+            <p:ph type="title"/>
+          </p:nvPr>
+        </p:nvSpPr>
+        <p:spPr>
+          <a:xfrm>
+            <a:off x="2320278" y="365125"/>
+            <a:ext cx="9033522" cy="1325563"/>
+          </a:xfrm>
+        </p:spPr>
+        <p:txBody>
+          <a:bodyPr/>
+          <a:lstStyle/>
+          <a:p>
+            <a:r>
+              <a:rPr lang="de-DE" dirty="0">
+                <a:latin typeface="Agency FB" panose="020B0503020202020204" pitchFamily="34" charset="0"/>
+              </a:rPr>
+              <a:t>Funktionen</a:t>
+            </a:r>
+          </a:p>
+        </p:txBody>
+      </p:sp>
+      <p:sp>
+        <p:nvSpPr>
+          <p:cNvPr id="3" name="Inhaltsplatzhalter 2">
+            <a:extLst>
+              <a:ext uri="{FF2B5EF4-FFF2-40B4-BE49-F238E27FC236}">
+                <a16:creationId xmlns:a16="http://schemas.microsoft.com/office/drawing/2014/main" id="{BCF0B086-9E2D-4B6F-B344-578597531A93}"/>
+              </a:ext>
+            </a:extLst>
+          </p:cNvPr>
+          <p:cNvSpPr>
+            <a:spLocks noGrp="1"/>
+          </p:cNvSpPr>
+          <p:nvPr>
+            <p:ph idx="1"/>
+          </p:nvPr>
+        </p:nvSpPr>
+        <p:spPr>
+          <a:xfrm>
+            <a:off x="2343844" y="1825625"/>
+            <a:ext cx="9009955" cy="4351338"/>
+          </a:xfrm>
+        </p:spPr>
+        <p:txBody>
+          <a:bodyPr>
+            <a:normAutofit/>
+          </a:bodyPr>
+          <a:lstStyle/>
+          <a:p>
+            <a:r>
+              <a:rPr lang="de-DE" dirty="0"/>
+              <a:t>Login / Registrierung</a:t>
+            </a:r>
+          </a:p>
+          <a:p>
+            <a:r>
+              <a:rPr lang="de-DE" dirty="0"/>
+              <a:t>Artikel einstellen/bearbeiten</a:t>
+            </a:r>
+          </a:p>
+          <a:p>
+            <a:r>
+              <a:rPr lang="de-DE" dirty="0"/>
+              <a:t>Suchfunktion</a:t>
+            </a:r>
+          </a:p>
+          <a:p>
+            <a:r>
+              <a:rPr lang="de-DE" dirty="0"/>
+              <a:t>Chat-Funktion</a:t>
+            </a:r>
+          </a:p>
+          <a:p>
+            <a:r>
+              <a:rPr lang="de-DE" dirty="0"/>
+              <a:t>Warenkorb</a:t>
+            </a:r>
+          </a:p>
+          <a:p>
+            <a:r>
+              <a:rPr lang="de-DE" dirty="0"/>
+              <a:t>Bezahlfunktion</a:t>
+            </a:r>
+          </a:p>
+          <a:p>
+            <a:endParaRPr lang="de-DE" dirty="0"/>
+          </a:p>
+        </p:txBody>
+      </p:sp>
+      <p:grpSp>
+        <p:nvGrpSpPr>
+          <p:cNvPr id="4" name="Gruppieren 3">
+            <a:extLst>
+              <a:ext uri="{FF2B5EF4-FFF2-40B4-BE49-F238E27FC236}">
+                <a16:creationId xmlns:a16="http://schemas.microsoft.com/office/drawing/2014/main" id="{6D658008-9547-4D8E-82B5-A3E2A72C735C}"/>
+              </a:ext>
+            </a:extLst>
+          </p:cNvPr>
+          <p:cNvGrpSpPr/>
+          <p:nvPr/>
+        </p:nvGrpSpPr>
+        <p:grpSpPr>
+          <a:xfrm>
+            <a:off x="-196995" y="0"/>
+            <a:ext cx="2540839" cy="6858000"/>
+            <a:chOff x="-196994" y="0"/>
+            <a:chExt cx="2540839" cy="6858000"/>
+          </a:xfrm>
+        </p:grpSpPr>
+        <p:sp>
+          <p:nvSpPr>
+            <p:cNvPr id="5" name="Rechteck 4">
+              <a:extLst>
+                <a:ext uri="{FF2B5EF4-FFF2-40B4-BE49-F238E27FC236}">
+                  <a16:creationId xmlns:a16="http://schemas.microsoft.com/office/drawing/2014/main" id="{05C2F606-8E06-408C-88C1-6E1369FB0492}"/>
+                </a:ext>
+              </a:extLst>
+            </p:cNvPr>
+            <p:cNvSpPr/>
+            <p:nvPr/>
+          </p:nvSpPr>
+          <p:spPr>
+            <a:xfrm>
+              <a:off x="0" y="0"/>
+              <a:ext cx="2146852" cy="6858000"/>
+            </a:xfrm>
+            <a:prstGeom prst="rect">
+              <a:avLst/>
+            </a:prstGeom>
+            <a:solidFill>
+              <a:srgbClr val="812824"/>
+            </a:solidFill>
+          </p:spPr>
+          <p:style>
+            <a:lnRef idx="2">
+              <a:schemeClr val="accent1">
+                <a:shade val="50000"/>
+              </a:schemeClr>
+            </a:lnRef>
+            <a:fillRef idx="1">
+              <a:schemeClr val="accent1"/>
+            </a:fillRef>
+            <a:effectRef idx="0">
+              <a:schemeClr val="accent1"/>
+            </a:effectRef>
+            <a:fontRef idx="minor">
+              <a:schemeClr val="lt1"/>
+            </a:fontRef>
+          </p:style>
+          <p:txBody>
+            <a:bodyPr rtlCol="0" anchor="ctr"/>
+            <a:lstStyle/>
+            <a:p>
+              <a:pPr algn="ctr"/>
+              <a:endParaRPr lang="de-DE"/>
+            </a:p>
+          </p:txBody>
+        </p:sp>
+        <p:sp>
+          <p:nvSpPr>
+            <p:cNvPr id="6" name="Ellipse 5">
+              <a:extLst>
+                <a:ext uri="{FF2B5EF4-FFF2-40B4-BE49-F238E27FC236}">
+                  <a16:creationId xmlns:a16="http://schemas.microsoft.com/office/drawing/2014/main" id="{D3E0D105-D9FC-4890-A723-0A96B21B2861}"/>
+                </a:ext>
+              </a:extLst>
+            </p:cNvPr>
+            <p:cNvSpPr/>
+            <p:nvPr/>
+          </p:nvSpPr>
+          <p:spPr>
+            <a:xfrm>
+              <a:off x="173426" y="130288"/>
+              <a:ext cx="1800000" cy="1800000"/>
+            </a:xfrm>
+            <a:prstGeom prst="ellipse">
+              <a:avLst/>
+            </a:prstGeom>
+            <a:solidFill>
+              <a:schemeClr val="bg1"/>
+            </a:solidFill>
+            <a:ln>
+              <a:noFill/>
+            </a:ln>
+          </p:spPr>
+          <p:style>
+            <a:lnRef idx="2">
+              <a:schemeClr val="accent1">
+                <a:shade val="50000"/>
+              </a:schemeClr>
+            </a:lnRef>
+            <a:fillRef idx="1">
+              <a:schemeClr val="accent1"/>
+            </a:fillRef>
+            <a:effectRef idx="0">
+              <a:schemeClr val="accent1"/>
+            </a:effectRef>
+            <a:fontRef idx="minor">
+              <a:schemeClr val="lt1"/>
+            </a:fontRef>
+          </p:style>
+          <p:txBody>
+            <a:bodyPr rtlCol="0" anchor="ctr"/>
+            <a:lstStyle/>
+            <a:p>
+              <a:pPr algn="ctr"/>
+              <a:endParaRPr lang="de-DE"/>
+            </a:p>
+          </p:txBody>
+        </p:sp>
+        <p:pic>
+          <p:nvPicPr>
+            <p:cNvPr id="7" name="Grafik 6" descr="Ein Bild, das Text enthält.&#10;&#10;Automatisch generierte Beschreibung">
+              <a:extLst>
+                <a:ext uri="{FF2B5EF4-FFF2-40B4-BE49-F238E27FC236}">
+                  <a16:creationId xmlns:a16="http://schemas.microsoft.com/office/drawing/2014/main" id="{80D93760-6FC9-4033-A513-B987E73422AD}"/>
+                </a:ext>
+              </a:extLst>
+            </p:cNvPr>
+            <p:cNvPicPr>
+              <a:picLocks noChangeAspect="1"/>
+            </p:cNvPicPr>
+            <p:nvPr/>
+          </p:nvPicPr>
+          <p:blipFill>
+            <a:blip r:embed="rId2">
+              <a:extLst>
+                <a:ext uri="{28A0092B-C50C-407E-A947-70E740481C1C}">
+                  <a14:useLocalDpi xmlns:a14="http://schemas.microsoft.com/office/drawing/2010/main" val="0"/>
+                </a:ext>
+              </a:extLst>
+            </a:blip>
+            <a:stretch>
+              <a:fillRect/>
+            </a:stretch>
+          </p:blipFill>
+          <p:spPr>
+            <a:xfrm>
+              <a:off x="-196994" y="130288"/>
+              <a:ext cx="2540839" cy="1677987"/>
+            </a:xfrm>
+            <a:prstGeom prst="rect">
+              <a:avLst/>
+            </a:prstGeom>
+          </p:spPr>
+        </p:pic>
+      </p:grpSp>
+    </p:spTree>
+    <p:extLst>
+      <p:ext uri="{BB962C8B-B14F-4D97-AF65-F5344CB8AC3E}">
+        <p14:creationId xmlns:p14="http://schemas.microsoft.com/office/powerpoint/2010/main" val="2915059134"/>
+      </p:ext>
+    </p:extLst>
+  </p:cSld>
+  <p:clrMapOvr>
+    <a:masterClrMapping/>
+  </p:clrMapOvr>
+</p:sld>
+</file>
+
+<file path=ppt/slides/slide8.xml><?xml version="1.0" encoding="utf-8"?>
+<p:sld xmlns:a="http://schemas.openxmlformats.org/drawingml/2006/main" xmlns:r="http://schemas.openxmlformats.org/officeDocument/2006/relationships" xmlns:p="http://schemas.openxmlformats.org/presentationml/2006/main">
+  <p:cSld>
+    <p:spTree>
+      <p:nvGrpSpPr>
+        <p:cNvPr id="1" name=""/>
+        <p:cNvGrpSpPr/>
+        <p:nvPr/>
+      </p:nvGrpSpPr>
+      <p:grpSpPr>
+        <a:xfrm>
+          <a:off x="0" y="0"/>
+          <a:ext cx="0" cy="0"/>
+          <a:chOff x="0" y="0"/>
+          <a:chExt cx="0" cy="0"/>
+        </a:xfrm>
+      </p:grpSpPr>
+      <p:sp>
+        <p:nvSpPr>
+          <p:cNvPr id="2" name="Titel 1">
+            <a:extLst>
+              <a:ext uri="{FF2B5EF4-FFF2-40B4-BE49-F238E27FC236}">
+                <a16:creationId xmlns:a16="http://schemas.microsoft.com/office/drawing/2014/main" id="{E6A19D5D-7BEC-42CE-A3A2-E1D3066570EB}"/>
+              </a:ext>
+            </a:extLst>
+          </p:cNvPr>
+          <p:cNvSpPr>
+            <a:spLocks noGrp="1"/>
+          </p:cNvSpPr>
+          <p:nvPr>
+            <p:ph type="title"/>
+          </p:nvPr>
+        </p:nvSpPr>
+        <p:spPr>
+          <a:xfrm>
+            <a:off x="2320278" y="365125"/>
+            <a:ext cx="9033522" cy="1325563"/>
+          </a:xfrm>
+        </p:spPr>
+        <p:txBody>
+          <a:bodyPr/>
+          <a:lstStyle/>
+          <a:p>
+            <a:r>
+              <a:rPr lang="de-DE" dirty="0">
+                <a:latin typeface="Agency FB" panose="020B0503020202020204" pitchFamily="34" charset="0"/>
+              </a:rPr>
+              <a:t>Grafischer Prototyp</a:t>
+            </a:r>
+          </a:p>
+        </p:txBody>
+      </p:sp>
+      <p:sp>
+        <p:nvSpPr>
+          <p:cNvPr id="3" name="Inhaltsplatzhalter 2">
+            <a:extLst>
+              <a:ext uri="{FF2B5EF4-FFF2-40B4-BE49-F238E27FC236}">
+                <a16:creationId xmlns:a16="http://schemas.microsoft.com/office/drawing/2014/main" id="{BCF0B086-9E2D-4B6F-B344-578597531A93}"/>
+              </a:ext>
+            </a:extLst>
+          </p:cNvPr>
+          <p:cNvSpPr>
+            <a:spLocks noGrp="1"/>
+          </p:cNvSpPr>
+          <p:nvPr>
+            <p:ph idx="1"/>
+          </p:nvPr>
+        </p:nvSpPr>
+        <p:spPr>
+          <a:xfrm>
+            <a:off x="2343844" y="1825625"/>
+            <a:ext cx="9009955" cy="4351338"/>
+          </a:xfrm>
+        </p:spPr>
+        <p:txBody>
+          <a:bodyPr>
+            <a:normAutofit/>
+          </a:bodyPr>
+          <a:lstStyle/>
+          <a:p>
+            <a:pPr marL="0" indent="0">
+              <a:buNone/>
+            </a:pPr>
+            <a:endParaRPr lang="de-DE" dirty="0"/>
+          </a:p>
+        </p:txBody>
+      </p:sp>
+      <p:grpSp>
+        <p:nvGrpSpPr>
+          <p:cNvPr id="4" name="Gruppieren 3">
+            <a:extLst>
+              <a:ext uri="{FF2B5EF4-FFF2-40B4-BE49-F238E27FC236}">
+                <a16:creationId xmlns:a16="http://schemas.microsoft.com/office/drawing/2014/main" id="{6D658008-9547-4D8E-82B5-A3E2A72C735C}"/>
+              </a:ext>
+            </a:extLst>
+          </p:cNvPr>
+          <p:cNvGrpSpPr/>
+          <p:nvPr/>
+        </p:nvGrpSpPr>
+        <p:grpSpPr>
+          <a:xfrm>
+            <a:off x="-196995" y="0"/>
+            <a:ext cx="2540839" cy="6858000"/>
+            <a:chOff x="-196994" y="0"/>
+            <a:chExt cx="2540839" cy="6858000"/>
+          </a:xfrm>
+        </p:grpSpPr>
+        <p:sp>
+          <p:nvSpPr>
+            <p:cNvPr id="5" name="Rechteck 4">
+              <a:extLst>
+                <a:ext uri="{FF2B5EF4-FFF2-40B4-BE49-F238E27FC236}">
+                  <a16:creationId xmlns:a16="http://schemas.microsoft.com/office/drawing/2014/main" id="{05C2F606-8E06-408C-88C1-6E1369FB0492}"/>
+                </a:ext>
+              </a:extLst>
+            </p:cNvPr>
+            <p:cNvSpPr/>
+            <p:nvPr/>
+          </p:nvSpPr>
+          <p:spPr>
+            <a:xfrm>
+              <a:off x="0" y="0"/>
+              <a:ext cx="2146852" cy="6858000"/>
+            </a:xfrm>
+            <a:prstGeom prst="rect">
+              <a:avLst/>
+            </a:prstGeom>
+            <a:solidFill>
+              <a:srgbClr val="812824"/>
+            </a:solidFill>
+          </p:spPr>
+          <p:style>
+            <a:lnRef idx="2">
+              <a:schemeClr val="accent1">
+                <a:shade val="50000"/>
+              </a:schemeClr>
+            </a:lnRef>
+            <a:fillRef idx="1">
+              <a:schemeClr val="accent1"/>
+            </a:fillRef>
+            <a:effectRef idx="0">
+              <a:schemeClr val="accent1"/>
+            </a:effectRef>
+            <a:fontRef idx="minor">
+              <a:schemeClr val="lt1"/>
+            </a:fontRef>
+          </p:style>
+          <p:txBody>
+            <a:bodyPr rtlCol="0" anchor="ctr"/>
+            <a:lstStyle/>
+            <a:p>
+              <a:pPr algn="ctr"/>
+              <a:endParaRPr lang="de-DE"/>
+            </a:p>
+          </p:txBody>
+        </p:sp>
+        <p:sp>
+          <p:nvSpPr>
+            <p:cNvPr id="6" name="Ellipse 5">
+              <a:extLst>
+                <a:ext uri="{FF2B5EF4-FFF2-40B4-BE49-F238E27FC236}">
+                  <a16:creationId xmlns:a16="http://schemas.microsoft.com/office/drawing/2014/main" id="{D3E0D105-D9FC-4890-A723-0A96B21B2861}"/>
+                </a:ext>
+              </a:extLst>
+            </p:cNvPr>
+            <p:cNvSpPr/>
+            <p:nvPr/>
+          </p:nvSpPr>
+          <p:spPr>
+            <a:xfrm>
+              <a:off x="173426" y="130288"/>
+              <a:ext cx="1800000" cy="1800000"/>
+            </a:xfrm>
+            <a:prstGeom prst="ellipse">
+              <a:avLst/>
+            </a:prstGeom>
+            <a:solidFill>
+              <a:schemeClr val="bg1"/>
+            </a:solidFill>
+            <a:ln>
+              <a:noFill/>
+            </a:ln>
+          </p:spPr>
+          <p:style>
+            <a:lnRef idx="2">
+              <a:schemeClr val="accent1">
+                <a:shade val="50000"/>
+              </a:schemeClr>
+            </a:lnRef>
+            <a:fillRef idx="1">
+              <a:schemeClr val="accent1"/>
+            </a:fillRef>
+            <a:effectRef idx="0">
+              <a:schemeClr val="accent1"/>
+            </a:effectRef>
+            <a:fontRef idx="minor">
+              <a:schemeClr val="lt1"/>
+            </a:fontRef>
+          </p:style>
+          <p:txBody>
+            <a:bodyPr rtlCol="0" anchor="ctr"/>
+            <a:lstStyle/>
+            <a:p>
+              <a:pPr algn="ctr"/>
+              <a:endParaRPr lang="de-DE"/>
+            </a:p>
+          </p:txBody>
+        </p:sp>
+        <p:pic>
+          <p:nvPicPr>
+            <p:cNvPr id="7" name="Grafik 6" descr="Ein Bild, das Text enthält.&#10;&#10;Automatisch generierte Beschreibung">
+              <a:extLst>
+                <a:ext uri="{FF2B5EF4-FFF2-40B4-BE49-F238E27FC236}">
+                  <a16:creationId xmlns:a16="http://schemas.microsoft.com/office/drawing/2014/main" id="{80D93760-6FC9-4033-A513-B987E73422AD}"/>
+                </a:ext>
+              </a:extLst>
+            </p:cNvPr>
+            <p:cNvPicPr>
+              <a:picLocks noChangeAspect="1"/>
+            </p:cNvPicPr>
+            <p:nvPr/>
+          </p:nvPicPr>
+          <p:blipFill>
+            <a:blip r:embed="rId2">
+              <a:extLst>
+                <a:ext uri="{28A0092B-C50C-407E-A947-70E740481C1C}">
+                  <a14:useLocalDpi xmlns:a14="http://schemas.microsoft.com/office/drawing/2010/main" val="0"/>
+                </a:ext>
+              </a:extLst>
+            </a:blip>
+            <a:stretch>
+              <a:fillRect/>
+            </a:stretch>
+          </p:blipFill>
+          <p:spPr>
+            <a:xfrm>
+              <a:off x="-196994" y="130288"/>
+              <a:ext cx="2540839" cy="1677987"/>
+            </a:xfrm>
+            <a:prstGeom prst="rect">
+              <a:avLst/>
+            </a:prstGeom>
+          </p:spPr>
+        </p:pic>
+      </p:grpSp>
+    </p:spTree>
+    <p:extLst>
+      <p:ext uri="{BB962C8B-B14F-4D97-AF65-F5344CB8AC3E}">
+        <p14:creationId xmlns:p14="http://schemas.microsoft.com/office/powerpoint/2010/main" val="1304946069"/>
+      </p:ext>
+    </p:extLst>
+  </p:cSld>
+  <p:clrMapOvr>
+    <a:masterClrMapping/>
+  </p:clrMapOvr>
+</p:sld>
+</file>
+
+<file path=ppt/slides/slide9.xml><?xml version="1.0" encoding="utf-8"?>
+<p:sld xmlns:a="http://schemas.openxmlformats.org/drawingml/2006/main" xmlns:r="http://schemas.openxmlformats.org/officeDocument/2006/relationships" xmlns:p="http://schemas.openxmlformats.org/presentationml/2006/main">
+  <p:cSld>
+    <p:spTree>
+      <p:nvGrpSpPr>
+        <p:cNvPr id="1" name=""/>
+        <p:cNvGrpSpPr/>
+        <p:nvPr/>
+      </p:nvGrpSpPr>
+      <p:grpSpPr>
+        <a:xfrm>
+          <a:off x="0" y="0"/>
+          <a:ext cx="0" cy="0"/>
+          <a:chOff x="0" y="0"/>
+          <a:chExt cx="0" cy="0"/>
+        </a:xfrm>
+      </p:grpSpPr>
+      <p:sp>
+        <p:nvSpPr>
+          <p:cNvPr id="2" name="Titel 1">
+            <a:extLst>
+              <a:ext uri="{FF2B5EF4-FFF2-40B4-BE49-F238E27FC236}">
+                <a16:creationId xmlns:a16="http://schemas.microsoft.com/office/drawing/2014/main" id="{E6A19D5D-7BEC-42CE-A3A2-E1D3066570EB}"/>
+              </a:ext>
+            </a:extLst>
+          </p:cNvPr>
+          <p:cNvSpPr>
+            <a:spLocks noGrp="1"/>
+          </p:cNvSpPr>
+          <p:nvPr>
+            <p:ph type="title"/>
+          </p:nvPr>
+        </p:nvSpPr>
+        <p:spPr>
+          <a:xfrm>
+            <a:off x="2320278" y="365125"/>
+            <a:ext cx="9033522" cy="1325563"/>
+          </a:xfrm>
+        </p:spPr>
+        <p:txBody>
+          <a:bodyPr/>
+          <a:lstStyle/>
+          <a:p>
+            <a:r>
+              <a:rPr lang="de-DE" dirty="0">
+                <a:latin typeface="Agency FB" panose="020B0503020202020204" pitchFamily="34" charset="0"/>
+              </a:rPr>
+              <a:t>GANTT-Diagramm</a:t>
+            </a:r>
+          </a:p>
+        </p:txBody>
+      </p:sp>
+      <p:grpSp>
+        <p:nvGrpSpPr>
+          <p:cNvPr id="4" name="Gruppieren 3">
+            <a:extLst>
+              <a:ext uri="{FF2B5EF4-FFF2-40B4-BE49-F238E27FC236}">
+                <a16:creationId xmlns:a16="http://schemas.microsoft.com/office/drawing/2014/main" id="{6D658008-9547-4D8E-82B5-A3E2A72C735C}"/>
+              </a:ext>
+            </a:extLst>
+          </p:cNvPr>
+          <p:cNvGrpSpPr/>
+          <p:nvPr/>
+        </p:nvGrpSpPr>
+        <p:grpSpPr>
+          <a:xfrm>
+            <a:off x="-196995" y="0"/>
+            <a:ext cx="2540839" cy="6858000"/>
+            <a:chOff x="-196994" y="0"/>
+            <a:chExt cx="2540839" cy="6858000"/>
+          </a:xfrm>
+        </p:grpSpPr>
+        <p:sp>
+          <p:nvSpPr>
+            <p:cNvPr id="5" name="Rechteck 4">
+              <a:extLst>
+                <a:ext uri="{FF2B5EF4-FFF2-40B4-BE49-F238E27FC236}">
+                  <a16:creationId xmlns:a16="http://schemas.microsoft.com/office/drawing/2014/main" id="{05C2F606-8E06-408C-88C1-6E1369FB0492}"/>
+                </a:ext>
+              </a:extLst>
+            </p:cNvPr>
+            <p:cNvSpPr/>
+            <p:nvPr/>
+          </p:nvSpPr>
+          <p:spPr>
+            <a:xfrm>
+              <a:off x="0" y="0"/>
+              <a:ext cx="2146852" cy="6858000"/>
+            </a:xfrm>
+            <a:prstGeom prst="rect">
+              <a:avLst/>
+            </a:prstGeom>
+            <a:solidFill>
+              <a:srgbClr val="812824"/>
+            </a:solidFill>
+          </p:spPr>
+          <p:style>
+            <a:lnRef idx="2">
+              <a:schemeClr val="accent1">
+                <a:shade val="50000"/>
+              </a:schemeClr>
+            </a:lnRef>
+            <a:fillRef idx="1">
+              <a:schemeClr val="accent1"/>
+            </a:fillRef>
+            <a:effectRef idx="0">
+              <a:schemeClr val="accent1"/>
+            </a:effectRef>
+            <a:fontRef idx="minor">
+              <a:schemeClr val="lt1"/>
+            </a:fontRef>
+          </p:style>
+          <p:txBody>
+            <a:bodyPr rtlCol="0" anchor="ctr"/>
+            <a:lstStyle/>
+            <a:p>
+              <a:pPr algn="ctr"/>
+              <a:endParaRPr lang="de-DE"/>
+            </a:p>
+          </p:txBody>
+        </p:sp>
+        <p:sp>
+          <p:nvSpPr>
+            <p:cNvPr id="6" name="Ellipse 5">
+              <a:extLst>
+                <a:ext uri="{FF2B5EF4-FFF2-40B4-BE49-F238E27FC236}">
+                  <a16:creationId xmlns:a16="http://schemas.microsoft.com/office/drawing/2014/main" id="{D3E0D105-D9FC-4890-A723-0A96B21B2861}"/>
+                </a:ext>
+              </a:extLst>
+            </p:cNvPr>
+            <p:cNvSpPr/>
+            <p:nvPr/>
+          </p:nvSpPr>
+          <p:spPr>
+            <a:xfrm>
+              <a:off x="173426" y="130288"/>
+              <a:ext cx="1800000" cy="1800000"/>
+            </a:xfrm>
+            <a:prstGeom prst="ellipse">
+              <a:avLst/>
+            </a:prstGeom>
+            <a:solidFill>
+              <a:schemeClr val="bg1"/>
+            </a:solidFill>
+            <a:ln>
+              <a:noFill/>
+            </a:ln>
+          </p:spPr>
+          <p:style>
+            <a:lnRef idx="2">
+              <a:schemeClr val="accent1">
+                <a:shade val="50000"/>
+              </a:schemeClr>
+            </a:lnRef>
+            <a:fillRef idx="1">
+              <a:schemeClr val="accent1"/>
+            </a:fillRef>
+            <a:effectRef idx="0">
+              <a:schemeClr val="accent1"/>
+            </a:effectRef>
+            <a:fontRef idx="minor">
+              <a:schemeClr val="lt1"/>
+            </a:fontRef>
+          </p:style>
+          <p:txBody>
+            <a:bodyPr rtlCol="0" anchor="ctr"/>
+            <a:lstStyle/>
+            <a:p>
+              <a:pPr algn="ctr"/>
+              <a:endParaRPr lang="de-DE"/>
+            </a:p>
+          </p:txBody>
+        </p:sp>
+        <p:pic>
+          <p:nvPicPr>
+            <p:cNvPr id="7" name="Grafik 6" descr="Ein Bild, das Text enthält.&#10;&#10;Automatisch generierte Beschreibung">
+              <a:extLst>
+                <a:ext uri="{FF2B5EF4-FFF2-40B4-BE49-F238E27FC236}">
+                  <a16:creationId xmlns:a16="http://schemas.microsoft.com/office/drawing/2014/main" id="{80D93760-6FC9-4033-A513-B987E73422AD}"/>
+                </a:ext>
+              </a:extLst>
+            </p:cNvPr>
+            <p:cNvPicPr>
+              <a:picLocks noChangeAspect="1"/>
+            </p:cNvPicPr>
+            <p:nvPr/>
+          </p:nvPicPr>
+          <p:blipFill>
+            <a:blip r:embed="rId2">
+              <a:extLst>
+                <a:ext uri="{28A0092B-C50C-407E-A947-70E740481C1C}">
+                  <a14:useLocalDpi xmlns:a14="http://schemas.microsoft.com/office/drawing/2010/main" val="0"/>
+                </a:ext>
+              </a:extLst>
+            </a:blip>
+            <a:stretch>
+              <a:fillRect/>
+            </a:stretch>
+          </p:blipFill>
+          <p:spPr>
+            <a:xfrm>
+              <a:off x="-196994" y="130288"/>
+              <a:ext cx="2540839" cy="1677987"/>
+            </a:xfrm>
+            <a:prstGeom prst="rect">
+              <a:avLst/>
+            </a:prstGeom>
+          </p:spPr>
+        </p:pic>
+      </p:grpSp>
+      <p:pic>
+        <p:nvPicPr>
+          <p:cNvPr id="18" name="Grafik 17">
+            <a:extLst>
+              <a:ext uri="{FF2B5EF4-FFF2-40B4-BE49-F238E27FC236}">
+                <a16:creationId xmlns:a16="http://schemas.microsoft.com/office/drawing/2014/main" id="{B82F39B1-BCA4-42B3-B321-767D83B8F375}"/>
+              </a:ext>
+            </a:extLst>
+          </p:cNvPr>
+          <p:cNvPicPr>
+            <a:picLocks noChangeAspect="1"/>
+          </p:cNvPicPr>
+          <p:nvPr/>
+        </p:nvPicPr>
+        <p:blipFill>
+          <a:blip r:embed="rId3"/>
+          <a:stretch>
+            <a:fillRect/>
+          </a:stretch>
+        </p:blipFill>
+        <p:spPr>
+          <a:xfrm>
+            <a:off x="3206262" y="1310376"/>
+            <a:ext cx="7273273" cy="5182499"/>
+          </a:xfrm>
+          <a:prstGeom prst="rect">
+            <a:avLst/>
+          </a:prstGeom>
+        </p:spPr>
+      </p:pic>
+    </p:spTree>
+    <p:extLst>
+      <p:ext uri="{BB962C8B-B14F-4D97-AF65-F5344CB8AC3E}">
+        <p14:creationId xmlns:p14="http://schemas.microsoft.com/office/powerpoint/2010/main" val="1994555421"/>
       </p:ext>
     </p:extLst>
   </p:cSld>
